--- a/Session_1_Md/slides/DotNetCoreFundmentals.pptx
+++ b/Session_1_Md/slides/DotNetCoreFundmentals.pptx
@@ -5,9 +5,11 @@
     <p:sldMasterId id="2147483648" r:id="rId1"/>
   </p:sldMasterIdLst>
   <p:sldIdLst>
-    <p:sldId id="256" r:id="rId2"/>
-    <p:sldId id="258" r:id="rId3"/>
-    <p:sldId id="257" r:id="rId4"/>
+    <p:sldId id="259" r:id="rId2"/>
+    <p:sldId id="260" r:id="rId3"/>
+    <p:sldId id="256" r:id="rId4"/>
+    <p:sldId id="258" r:id="rId5"/>
+    <p:sldId id="257" r:id="rId6"/>
   </p:sldIdLst>
   <p:sldSz cx="12192000" cy="6858000"/>
   <p:notesSz cx="6858000" cy="9144000"/>
@@ -106,6 +108,11 @@
       </a:defRPr>
     </a:lvl9pPr>
   </p:defaultTextStyle>
+  <p:extLst>
+    <p:ext uri="{EFAFB233-063F-42B5-8137-9DF3F51BA10A}">
+      <p15:sldGuideLst xmlns:p15="http://schemas.microsoft.com/office/powerpoint/2012/main"/>
+    </p:ext>
+  </p:extLst>
 </p:presentation>
 </file>
 
@@ -256,7 +263,7 @@
           <a:p>
             <a:fld id="{AB5CE056-A561-47C2-ABE9-1470ED907ED1}" type="datetimeFigureOut">
               <a:rPr lang="en-US" smtClean="0"/>
-              <a:t>1/12/2020</a:t>
+              <a:t>1/14/2020</a:t>
             </a:fld>
             <a:endParaRPr lang="en-US"/>
           </a:p>
@@ -454,7 +461,7 @@
           <a:p>
             <a:fld id="{AB5CE056-A561-47C2-ABE9-1470ED907ED1}" type="datetimeFigureOut">
               <a:rPr lang="en-US" smtClean="0"/>
-              <a:t>1/12/2020</a:t>
+              <a:t>1/14/2020</a:t>
             </a:fld>
             <a:endParaRPr lang="en-US"/>
           </a:p>
@@ -662,7 +669,7 @@
           <a:p>
             <a:fld id="{AB5CE056-A561-47C2-ABE9-1470ED907ED1}" type="datetimeFigureOut">
               <a:rPr lang="en-US" smtClean="0"/>
-              <a:t>1/12/2020</a:t>
+              <a:t>1/14/2020</a:t>
             </a:fld>
             <a:endParaRPr lang="en-US"/>
           </a:p>
@@ -860,7 +867,7 @@
           <a:p>
             <a:fld id="{AB5CE056-A561-47C2-ABE9-1470ED907ED1}" type="datetimeFigureOut">
               <a:rPr lang="en-US" smtClean="0"/>
-              <a:t>1/12/2020</a:t>
+              <a:t>1/14/2020</a:t>
             </a:fld>
             <a:endParaRPr lang="en-US"/>
           </a:p>
@@ -1135,7 +1142,7 @@
           <a:p>
             <a:fld id="{AB5CE056-A561-47C2-ABE9-1470ED907ED1}" type="datetimeFigureOut">
               <a:rPr lang="en-US" smtClean="0"/>
-              <a:t>1/12/2020</a:t>
+              <a:t>1/14/2020</a:t>
             </a:fld>
             <a:endParaRPr lang="en-US"/>
           </a:p>
@@ -1400,7 +1407,7 @@
           <a:p>
             <a:fld id="{AB5CE056-A561-47C2-ABE9-1470ED907ED1}" type="datetimeFigureOut">
               <a:rPr lang="en-US" smtClean="0"/>
-              <a:t>1/12/2020</a:t>
+              <a:t>1/14/2020</a:t>
             </a:fld>
             <a:endParaRPr lang="en-US"/>
           </a:p>
@@ -1812,7 +1819,7 @@
           <a:p>
             <a:fld id="{AB5CE056-A561-47C2-ABE9-1470ED907ED1}" type="datetimeFigureOut">
               <a:rPr lang="en-US" smtClean="0"/>
-              <a:t>1/12/2020</a:t>
+              <a:t>1/14/2020</a:t>
             </a:fld>
             <a:endParaRPr lang="en-US"/>
           </a:p>
@@ -1953,7 +1960,7 @@
           <a:p>
             <a:fld id="{AB5CE056-A561-47C2-ABE9-1470ED907ED1}" type="datetimeFigureOut">
               <a:rPr lang="en-US" smtClean="0"/>
-              <a:t>1/12/2020</a:t>
+              <a:t>1/14/2020</a:t>
             </a:fld>
             <a:endParaRPr lang="en-US"/>
           </a:p>
@@ -2066,7 +2073,7 @@
           <a:p>
             <a:fld id="{AB5CE056-A561-47C2-ABE9-1470ED907ED1}" type="datetimeFigureOut">
               <a:rPr lang="en-US" smtClean="0"/>
-              <a:t>1/12/2020</a:t>
+              <a:t>1/14/2020</a:t>
             </a:fld>
             <a:endParaRPr lang="en-US"/>
           </a:p>
@@ -2377,7 +2384,7 @@
           <a:p>
             <a:fld id="{AB5CE056-A561-47C2-ABE9-1470ED907ED1}" type="datetimeFigureOut">
               <a:rPr lang="en-US" smtClean="0"/>
-              <a:t>1/12/2020</a:t>
+              <a:t>1/14/2020</a:t>
             </a:fld>
             <a:endParaRPr lang="en-US"/>
           </a:p>
@@ -2665,7 +2672,7 @@
           <a:p>
             <a:fld id="{AB5CE056-A561-47C2-ABE9-1470ED907ED1}" type="datetimeFigureOut">
               <a:rPr lang="en-US" smtClean="0"/>
-              <a:t>1/12/2020</a:t>
+              <a:t>1/14/2020</a:t>
             </a:fld>
             <a:endParaRPr lang="en-US"/>
           </a:p>
@@ -2906,7 +2913,7 @@
           <a:p>
             <a:fld id="{AB5CE056-A561-47C2-ABE9-1470ED907ED1}" type="datetimeFigureOut">
               <a:rPr lang="en-US" smtClean="0"/>
-              <a:t>1/12/2020</a:t>
+              <a:t>1/14/2020</a:t>
             </a:fld>
             <a:endParaRPr lang="en-US"/>
           </a:p>
@@ -3328,7 +3335,7 @@
           <p:cNvPr id="2" name="Title 1">
             <a:extLst>
               <a:ext uri="{FF2B5EF4-FFF2-40B4-BE49-F238E27FC236}">
-                <a16:creationId xmlns:a16="http://schemas.microsoft.com/office/drawing/2014/main" id="{7F536BF0-68CC-478D-9EAC-57AE2B1F77E1}"/>
+                <a16:creationId xmlns:a16="http://schemas.microsoft.com/office/drawing/2014/main" id="{E85BE2B7-FDDC-4D42-B733-6D9F723C27AB}"/>
               </a:ext>
             </a:extLst>
           </p:cNvPr>
@@ -3344,14 +3351,7 @@
           <a:bodyPr/>
           <a:lstStyle/>
           <a:p>
-            <a:r>
-              <a:rPr lang="en-US" dirty="0" err="1"/>
-              <a:t>.Net</a:t>
-            </a:r>
-            <a:r>
-              <a:rPr lang="en-US" dirty="0"/>
-              <a:t> Core</a:t>
-            </a:r>
+            <a:endParaRPr lang="en-US"/>
           </a:p>
         </p:txBody>
       </p:sp>
@@ -3360,7 +3360,7 @@
           <p:cNvPr id="3" name="Subtitle 2">
             <a:extLst>
               <a:ext uri="{FF2B5EF4-FFF2-40B4-BE49-F238E27FC236}">
-                <a16:creationId xmlns:a16="http://schemas.microsoft.com/office/drawing/2014/main" id="{39E618CF-C0AA-46A9-9DE4-2965CE95D238}"/>
+                <a16:creationId xmlns:a16="http://schemas.microsoft.com/office/drawing/2014/main" id="{FAEA1D49-3DE9-485C-B11B-80A04C64C596}"/>
               </a:ext>
             </a:extLst>
           </p:cNvPr>
@@ -3376,14 +3376,14 @@
           <a:bodyPr/>
           <a:lstStyle/>
           <a:p>
-            <a:endParaRPr lang="en-US"/>
+            <a:endParaRPr lang="en-US" dirty="0"/>
           </a:p>
         </p:txBody>
       </p:sp>
     </p:spTree>
     <p:extLst>
       <p:ext uri="{BB962C8B-B14F-4D97-AF65-F5344CB8AC3E}">
-        <p14:creationId xmlns:p14="http://schemas.microsoft.com/office/powerpoint/2010/main" val="2292797462"/>
+        <p14:creationId xmlns:p14="http://schemas.microsoft.com/office/powerpoint/2010/main" val="2614584644"/>
       </p:ext>
     </p:extLst>
   </p:cSld>
@@ -3415,6 +3415,324 @@
           <p:cNvPr id="2" name="Title 1">
             <a:extLst>
               <a:ext uri="{FF2B5EF4-FFF2-40B4-BE49-F238E27FC236}">
+                <a16:creationId xmlns:a16="http://schemas.microsoft.com/office/drawing/2014/main" id="{80F5B345-AB1F-4323-AEFC-5264C61BD447}"/>
+              </a:ext>
+            </a:extLst>
+          </p:cNvPr>
+          <p:cNvSpPr>
+            <a:spLocks noGrp="1"/>
+          </p:cNvSpPr>
+          <p:nvPr>
+            <p:ph type="title"/>
+          </p:nvPr>
+        </p:nvSpPr>
+        <p:spPr/>
+        <p:txBody>
+          <a:bodyPr/>
+          <a:lstStyle/>
+          <a:p>
+            <a:r>
+              <a:rPr lang="en-US" dirty="0"/>
+              <a:t>Agenda </a:t>
+            </a:r>
+          </a:p>
+        </p:txBody>
+      </p:sp>
+      <p:sp>
+        <p:nvSpPr>
+          <p:cNvPr id="3" name="Content Placeholder 2">
+            <a:extLst>
+              <a:ext uri="{FF2B5EF4-FFF2-40B4-BE49-F238E27FC236}">
+                <a16:creationId xmlns:a16="http://schemas.microsoft.com/office/drawing/2014/main" id="{EDB54E0F-9080-478F-9565-DCF98D8DEA33}"/>
+              </a:ext>
+            </a:extLst>
+          </p:cNvPr>
+          <p:cNvSpPr>
+            <a:spLocks noGrp="1"/>
+          </p:cNvSpPr>
+          <p:nvPr>
+            <p:ph idx="1"/>
+          </p:nvPr>
+        </p:nvSpPr>
+        <p:spPr/>
+        <p:txBody>
+          <a:bodyPr>
+            <a:normAutofit fontScale="92500" lnSpcReduction="10000"/>
+          </a:bodyPr>
+          <a:lstStyle/>
+          <a:p>
+            <a:pPr marL="0" indent="0">
+              <a:buNone/>
+            </a:pPr>
+            <a:r>
+              <a:rPr lang="en-US" dirty="0"/>
+              <a:t>Day One</a:t>
+            </a:r>
+          </a:p>
+          <a:p>
+            <a:pPr lvl="1"/>
+            <a:r>
+              <a:rPr lang="en-US" dirty="0"/>
+              <a:t>Introduction Visual Studio</a:t>
+            </a:r>
+          </a:p>
+          <a:p>
+            <a:pPr lvl="1"/>
+            <a:r>
+              <a:rPr lang="en-US" dirty="0" err="1"/>
+              <a:t>.Net</a:t>
+            </a:r>
+            <a:r>
+              <a:rPr lang="en-US" dirty="0"/>
+              <a:t> Core Overview Getting started fundamentals Host, Startup</a:t>
+            </a:r>
+          </a:p>
+          <a:p>
+            <a:pPr lvl="1"/>
+            <a:r>
+              <a:rPr lang="en-US" dirty="0"/>
+              <a:t>Dependence Injection</a:t>
+            </a:r>
+          </a:p>
+          <a:p>
+            <a:pPr lvl="1"/>
+            <a:r>
+              <a:rPr lang="en-US" dirty="0"/>
+              <a:t>Create </a:t>
+            </a:r>
+            <a:r>
+              <a:rPr lang="en-US" dirty="0" err="1"/>
+              <a:t>Api</a:t>
+            </a:r>
+            <a:r>
+              <a:rPr lang="en-US" dirty="0"/>
+              <a:t> With </a:t>
+            </a:r>
+            <a:r>
+              <a:rPr lang="en-US" dirty="0" err="1"/>
+              <a:t>Mongodb</a:t>
+            </a:r>
+            <a:r>
+              <a:rPr lang="en-US" dirty="0"/>
+              <a:t> and </a:t>
+            </a:r>
+            <a:r>
+              <a:rPr lang="en-US" dirty="0" err="1"/>
+              <a:t>Ef</a:t>
+            </a:r>
+            <a:r>
+              <a:rPr lang="en-US" dirty="0"/>
+              <a:t> Core </a:t>
+            </a:r>
+          </a:p>
+          <a:p>
+            <a:pPr lvl="1"/>
+            <a:r>
+              <a:rPr lang="en-US" dirty="0"/>
+              <a:t>Configure Key Vault </a:t>
+            </a:r>
+          </a:p>
+          <a:p>
+            <a:pPr lvl="1"/>
+            <a:r>
+              <a:rPr lang="en-US" dirty="0" err="1"/>
+              <a:t>Serilog</a:t>
+            </a:r>
+            <a:r>
+              <a:rPr lang="en-US" dirty="0"/>
+              <a:t>/Application</a:t>
+            </a:r>
+          </a:p>
+          <a:p>
+            <a:pPr lvl="1"/>
+            <a:r>
+              <a:rPr lang="en-US" dirty="0"/>
+              <a:t>Swagger </a:t>
+            </a:r>
+          </a:p>
+          <a:p>
+            <a:pPr marL="0" indent="0">
+              <a:buNone/>
+            </a:pPr>
+            <a:r>
+              <a:rPr lang="en-US" dirty="0"/>
+              <a:t>Day Two </a:t>
+            </a:r>
+          </a:p>
+          <a:p>
+            <a:pPr lvl="1"/>
+            <a:r>
+              <a:rPr lang="en-US" dirty="0"/>
+              <a:t>Identity Server </a:t>
+            </a:r>
+          </a:p>
+          <a:p>
+            <a:pPr lvl="1"/>
+            <a:r>
+              <a:rPr lang="en-US" dirty="0" err="1"/>
+              <a:t>Linq</a:t>
+            </a:r>
+            <a:endParaRPr lang="en-US" dirty="0"/>
+          </a:p>
+          <a:p>
+            <a:pPr lvl="1"/>
+            <a:r>
+              <a:rPr lang="en-US" dirty="0"/>
+              <a:t>Migration from </a:t>
+            </a:r>
+            <a:r>
+              <a:rPr lang="en-US" dirty="0" err="1"/>
+              <a:t>.Net</a:t>
+            </a:r>
+            <a:r>
+              <a:rPr lang="en-US" dirty="0"/>
+              <a:t> Core 2.2 to </a:t>
+            </a:r>
+            <a:r>
+              <a:rPr lang="en-US" dirty="0" err="1"/>
+              <a:t>.Net</a:t>
+            </a:r>
+            <a:r>
+              <a:rPr lang="en-US" dirty="0"/>
+              <a:t> Core 3.1 </a:t>
+            </a:r>
+          </a:p>
+          <a:p>
+            <a:pPr marL="0" indent="0">
+              <a:buNone/>
+            </a:pPr>
+            <a:endParaRPr lang="en-US" dirty="0"/>
+          </a:p>
+          <a:p>
+            <a:pPr marL="0" indent="0">
+              <a:buNone/>
+            </a:pPr>
+            <a:endParaRPr lang="en-US" dirty="0"/>
+          </a:p>
+        </p:txBody>
+      </p:sp>
+    </p:spTree>
+    <p:extLst>
+      <p:ext uri="{BB962C8B-B14F-4D97-AF65-F5344CB8AC3E}">
+        <p14:creationId xmlns:p14="http://schemas.microsoft.com/office/powerpoint/2010/main" val="3027720945"/>
+      </p:ext>
+    </p:extLst>
+  </p:cSld>
+  <p:clrMapOvr>
+    <a:masterClrMapping/>
+  </p:clrMapOvr>
+</p:sld>
+</file>
+
+<file path=ppt/slides/slide3.xml><?xml version="1.0" encoding="utf-8"?>
+<p:sld xmlns:a="http://schemas.openxmlformats.org/drawingml/2006/main" xmlns:r="http://schemas.openxmlformats.org/officeDocument/2006/relationships" xmlns:p="http://schemas.openxmlformats.org/presentationml/2006/main">
+  <p:cSld>
+    <p:spTree>
+      <p:nvGrpSpPr>
+        <p:cNvPr id="1" name=""/>
+        <p:cNvGrpSpPr/>
+        <p:nvPr/>
+      </p:nvGrpSpPr>
+      <p:grpSpPr>
+        <a:xfrm>
+          <a:off x="0" y="0"/>
+          <a:ext cx="0" cy="0"/>
+          <a:chOff x="0" y="0"/>
+          <a:chExt cx="0" cy="0"/>
+        </a:xfrm>
+      </p:grpSpPr>
+      <p:sp>
+        <p:nvSpPr>
+          <p:cNvPr id="2" name="Title 1">
+            <a:extLst>
+              <a:ext uri="{FF2B5EF4-FFF2-40B4-BE49-F238E27FC236}">
+                <a16:creationId xmlns:a16="http://schemas.microsoft.com/office/drawing/2014/main" id="{7F536BF0-68CC-478D-9EAC-57AE2B1F77E1}"/>
+              </a:ext>
+            </a:extLst>
+          </p:cNvPr>
+          <p:cNvSpPr>
+            <a:spLocks noGrp="1"/>
+          </p:cNvSpPr>
+          <p:nvPr>
+            <p:ph type="ctrTitle"/>
+          </p:nvPr>
+        </p:nvSpPr>
+        <p:spPr/>
+        <p:txBody>
+          <a:bodyPr/>
+          <a:lstStyle/>
+          <a:p>
+            <a:r>
+              <a:rPr lang="en-US" dirty="0" err="1"/>
+              <a:t>.Net</a:t>
+            </a:r>
+            <a:r>
+              <a:rPr lang="en-US" dirty="0"/>
+              <a:t> Core</a:t>
+            </a:r>
+          </a:p>
+        </p:txBody>
+      </p:sp>
+      <p:sp>
+        <p:nvSpPr>
+          <p:cNvPr id="3" name="Subtitle 2">
+            <a:extLst>
+              <a:ext uri="{FF2B5EF4-FFF2-40B4-BE49-F238E27FC236}">
+                <a16:creationId xmlns:a16="http://schemas.microsoft.com/office/drawing/2014/main" id="{39E618CF-C0AA-46A9-9DE4-2965CE95D238}"/>
+              </a:ext>
+            </a:extLst>
+          </p:cNvPr>
+          <p:cNvSpPr>
+            <a:spLocks noGrp="1"/>
+          </p:cNvSpPr>
+          <p:nvPr>
+            <p:ph type="subTitle" idx="1"/>
+          </p:nvPr>
+        </p:nvSpPr>
+        <p:spPr/>
+        <p:txBody>
+          <a:bodyPr/>
+          <a:lstStyle/>
+          <a:p>
+            <a:endParaRPr lang="en-US"/>
+          </a:p>
+        </p:txBody>
+      </p:sp>
+    </p:spTree>
+    <p:extLst>
+      <p:ext uri="{BB962C8B-B14F-4D97-AF65-F5344CB8AC3E}">
+        <p14:creationId xmlns:p14="http://schemas.microsoft.com/office/powerpoint/2010/main" val="2292797462"/>
+      </p:ext>
+    </p:extLst>
+  </p:cSld>
+  <p:clrMapOvr>
+    <a:masterClrMapping/>
+  </p:clrMapOvr>
+</p:sld>
+</file>
+
+<file path=ppt/slides/slide4.xml><?xml version="1.0" encoding="utf-8"?>
+<p:sld xmlns:a="http://schemas.openxmlformats.org/drawingml/2006/main" xmlns:r="http://schemas.openxmlformats.org/officeDocument/2006/relationships" xmlns:p="http://schemas.openxmlformats.org/presentationml/2006/main">
+  <p:cSld>
+    <p:spTree>
+      <p:nvGrpSpPr>
+        <p:cNvPr id="1" name=""/>
+        <p:cNvGrpSpPr/>
+        <p:nvPr/>
+      </p:nvGrpSpPr>
+      <p:grpSpPr>
+        <a:xfrm>
+          <a:off x="0" y="0"/>
+          <a:ext cx="0" cy="0"/>
+          <a:chOff x="0" y="0"/>
+          <a:chExt cx="0" cy="0"/>
+        </a:xfrm>
+      </p:grpSpPr>
+      <p:sp>
+        <p:nvSpPr>
+          <p:cNvPr id="2" name="Title 1">
+            <a:extLst>
+              <a:ext uri="{FF2B5EF4-FFF2-40B4-BE49-F238E27FC236}">
                 <a16:creationId xmlns:a16="http://schemas.microsoft.com/office/drawing/2014/main" id="{E012A4E6-3E8D-40AA-A6BA-44D06787B5EE}"/>
               </a:ext>
             </a:extLst>
@@ -3643,7 +3961,7 @@
 </p:sld>
 </file>
 
-<file path=ppt/slides/slide3.xml><?xml version="1.0" encoding="utf-8"?>
+<file path=ppt/slides/slide5.xml><?xml version="1.0" encoding="utf-8"?>
 <p:sld xmlns:a="http://schemas.openxmlformats.org/drawingml/2006/main" xmlns:r="http://schemas.openxmlformats.org/officeDocument/2006/relationships" xmlns:p="http://schemas.openxmlformats.org/presentationml/2006/main">
   <p:cSld>
     <p:spTree>

--- a/Session_1_Md/slides/DotNetCoreFundmentals.pptx
+++ b/Session_1_Md/slides/DotNetCoreFundmentals.pptx
@@ -5,11 +5,10 @@
     <p:sldMasterId id="2147483648" r:id="rId1"/>
   </p:sldMasterIdLst>
   <p:sldIdLst>
-    <p:sldId id="259" r:id="rId2"/>
+    <p:sldId id="256" r:id="rId2"/>
     <p:sldId id="260" r:id="rId3"/>
-    <p:sldId id="256" r:id="rId4"/>
-    <p:sldId id="258" r:id="rId5"/>
-    <p:sldId id="257" r:id="rId6"/>
+    <p:sldId id="258" r:id="rId4"/>
+    <p:sldId id="257" r:id="rId5"/>
   </p:sldIdLst>
   <p:sldSz cx="12192000" cy="6858000"/>
   <p:notesSz cx="6858000" cy="9144000"/>
@@ -263,7 +262,7 @@
           <a:p>
             <a:fld id="{AB5CE056-A561-47C2-ABE9-1470ED907ED1}" type="datetimeFigureOut">
               <a:rPr lang="en-US" smtClean="0"/>
-              <a:t>1/14/2020</a:t>
+              <a:t>1/15/2020</a:t>
             </a:fld>
             <a:endParaRPr lang="en-US"/>
           </a:p>
@@ -461,7 +460,7 @@
           <a:p>
             <a:fld id="{AB5CE056-A561-47C2-ABE9-1470ED907ED1}" type="datetimeFigureOut">
               <a:rPr lang="en-US" smtClean="0"/>
-              <a:t>1/14/2020</a:t>
+              <a:t>1/15/2020</a:t>
             </a:fld>
             <a:endParaRPr lang="en-US"/>
           </a:p>
@@ -669,7 +668,7 @@
           <a:p>
             <a:fld id="{AB5CE056-A561-47C2-ABE9-1470ED907ED1}" type="datetimeFigureOut">
               <a:rPr lang="en-US" smtClean="0"/>
-              <a:t>1/14/2020</a:t>
+              <a:t>1/15/2020</a:t>
             </a:fld>
             <a:endParaRPr lang="en-US"/>
           </a:p>
@@ -867,7 +866,7 @@
           <a:p>
             <a:fld id="{AB5CE056-A561-47C2-ABE9-1470ED907ED1}" type="datetimeFigureOut">
               <a:rPr lang="en-US" smtClean="0"/>
-              <a:t>1/14/2020</a:t>
+              <a:t>1/15/2020</a:t>
             </a:fld>
             <a:endParaRPr lang="en-US"/>
           </a:p>
@@ -1142,7 +1141,7 @@
           <a:p>
             <a:fld id="{AB5CE056-A561-47C2-ABE9-1470ED907ED1}" type="datetimeFigureOut">
               <a:rPr lang="en-US" smtClean="0"/>
-              <a:t>1/14/2020</a:t>
+              <a:t>1/15/2020</a:t>
             </a:fld>
             <a:endParaRPr lang="en-US"/>
           </a:p>
@@ -1407,7 +1406,7 @@
           <a:p>
             <a:fld id="{AB5CE056-A561-47C2-ABE9-1470ED907ED1}" type="datetimeFigureOut">
               <a:rPr lang="en-US" smtClean="0"/>
-              <a:t>1/14/2020</a:t>
+              <a:t>1/15/2020</a:t>
             </a:fld>
             <a:endParaRPr lang="en-US"/>
           </a:p>
@@ -1819,7 +1818,7 @@
           <a:p>
             <a:fld id="{AB5CE056-A561-47C2-ABE9-1470ED907ED1}" type="datetimeFigureOut">
               <a:rPr lang="en-US" smtClean="0"/>
-              <a:t>1/14/2020</a:t>
+              <a:t>1/15/2020</a:t>
             </a:fld>
             <a:endParaRPr lang="en-US"/>
           </a:p>
@@ -1960,7 +1959,7 @@
           <a:p>
             <a:fld id="{AB5CE056-A561-47C2-ABE9-1470ED907ED1}" type="datetimeFigureOut">
               <a:rPr lang="en-US" smtClean="0"/>
-              <a:t>1/14/2020</a:t>
+              <a:t>1/15/2020</a:t>
             </a:fld>
             <a:endParaRPr lang="en-US"/>
           </a:p>
@@ -2073,7 +2072,7 @@
           <a:p>
             <a:fld id="{AB5CE056-A561-47C2-ABE9-1470ED907ED1}" type="datetimeFigureOut">
               <a:rPr lang="en-US" smtClean="0"/>
-              <a:t>1/14/2020</a:t>
+              <a:t>1/15/2020</a:t>
             </a:fld>
             <a:endParaRPr lang="en-US"/>
           </a:p>
@@ -2384,7 +2383,7 @@
           <a:p>
             <a:fld id="{AB5CE056-A561-47C2-ABE9-1470ED907ED1}" type="datetimeFigureOut">
               <a:rPr lang="en-US" smtClean="0"/>
-              <a:t>1/14/2020</a:t>
+              <a:t>1/15/2020</a:t>
             </a:fld>
             <a:endParaRPr lang="en-US"/>
           </a:p>
@@ -2672,7 +2671,7 @@
           <a:p>
             <a:fld id="{AB5CE056-A561-47C2-ABE9-1470ED907ED1}" type="datetimeFigureOut">
               <a:rPr lang="en-US" smtClean="0"/>
-              <a:t>1/14/2020</a:t>
+              <a:t>1/15/2020</a:t>
             </a:fld>
             <a:endParaRPr lang="en-US"/>
           </a:p>
@@ -2913,7 +2912,7 @@
           <a:p>
             <a:fld id="{AB5CE056-A561-47C2-ABE9-1470ED907ED1}" type="datetimeFigureOut">
               <a:rPr lang="en-US" smtClean="0"/>
-              <a:t>1/14/2020</a:t>
+              <a:t>1/15/2020</a:t>
             </a:fld>
             <a:endParaRPr lang="en-US"/>
           </a:p>
@@ -3335,7 +3334,7 @@
           <p:cNvPr id="2" name="Title 1">
             <a:extLst>
               <a:ext uri="{FF2B5EF4-FFF2-40B4-BE49-F238E27FC236}">
-                <a16:creationId xmlns:a16="http://schemas.microsoft.com/office/drawing/2014/main" id="{E85BE2B7-FDDC-4D42-B733-6D9F723C27AB}"/>
+                <a16:creationId xmlns:a16="http://schemas.microsoft.com/office/drawing/2014/main" id="{7F536BF0-68CC-478D-9EAC-57AE2B1F77E1}"/>
               </a:ext>
             </a:extLst>
           </p:cNvPr>
@@ -3351,39 +3350,46 @@
           <a:bodyPr/>
           <a:lstStyle/>
           <a:p>
+            <a:r>
+              <a:rPr lang="en-US" dirty="0" err="1"/>
+              <a:t>.Net</a:t>
+            </a:r>
+            <a:r>
+              <a:rPr lang="en-US" dirty="0"/>
+              <a:t> Core</a:t>
+            </a:r>
+          </a:p>
+        </p:txBody>
+      </p:sp>
+      <p:sp>
+        <p:nvSpPr>
+          <p:cNvPr id="3" name="Subtitle 2">
+            <a:extLst>
+              <a:ext uri="{FF2B5EF4-FFF2-40B4-BE49-F238E27FC236}">
+                <a16:creationId xmlns:a16="http://schemas.microsoft.com/office/drawing/2014/main" id="{39E618CF-C0AA-46A9-9DE4-2965CE95D238}"/>
+              </a:ext>
+            </a:extLst>
+          </p:cNvPr>
+          <p:cNvSpPr>
+            <a:spLocks noGrp="1"/>
+          </p:cNvSpPr>
+          <p:nvPr>
+            <p:ph type="subTitle" idx="1"/>
+          </p:nvPr>
+        </p:nvSpPr>
+        <p:spPr/>
+        <p:txBody>
+          <a:bodyPr/>
+          <a:lstStyle/>
+          <a:p>
             <a:endParaRPr lang="en-US"/>
-          </a:p>
-        </p:txBody>
-      </p:sp>
-      <p:sp>
-        <p:nvSpPr>
-          <p:cNvPr id="3" name="Subtitle 2">
-            <a:extLst>
-              <a:ext uri="{FF2B5EF4-FFF2-40B4-BE49-F238E27FC236}">
-                <a16:creationId xmlns:a16="http://schemas.microsoft.com/office/drawing/2014/main" id="{FAEA1D49-3DE9-485C-B11B-80A04C64C596}"/>
-              </a:ext>
-            </a:extLst>
-          </p:cNvPr>
-          <p:cNvSpPr>
-            <a:spLocks noGrp="1"/>
-          </p:cNvSpPr>
-          <p:nvPr>
-            <p:ph type="subTitle" idx="1"/>
-          </p:nvPr>
-        </p:nvSpPr>
-        <p:spPr/>
-        <p:txBody>
-          <a:bodyPr/>
-          <a:lstStyle/>
-          <a:p>
-            <a:endParaRPr lang="en-US" dirty="0"/>
           </a:p>
         </p:txBody>
       </p:sp>
     </p:spTree>
     <p:extLst>
       <p:ext uri="{BB962C8B-B14F-4D97-AF65-F5344CB8AC3E}">
-        <p14:creationId xmlns:p14="http://schemas.microsoft.com/office/powerpoint/2010/main" val="2614584644"/>
+        <p14:creationId xmlns:p14="http://schemas.microsoft.com/office/powerpoint/2010/main" val="2292797462"/>
       </p:ext>
     </p:extLst>
   </p:cSld>
@@ -3646,93 +3652,6 @@
           <p:cNvPr id="2" name="Title 1">
             <a:extLst>
               <a:ext uri="{FF2B5EF4-FFF2-40B4-BE49-F238E27FC236}">
-                <a16:creationId xmlns:a16="http://schemas.microsoft.com/office/drawing/2014/main" id="{7F536BF0-68CC-478D-9EAC-57AE2B1F77E1}"/>
-              </a:ext>
-            </a:extLst>
-          </p:cNvPr>
-          <p:cNvSpPr>
-            <a:spLocks noGrp="1"/>
-          </p:cNvSpPr>
-          <p:nvPr>
-            <p:ph type="ctrTitle"/>
-          </p:nvPr>
-        </p:nvSpPr>
-        <p:spPr/>
-        <p:txBody>
-          <a:bodyPr/>
-          <a:lstStyle/>
-          <a:p>
-            <a:r>
-              <a:rPr lang="en-US" dirty="0" err="1"/>
-              <a:t>.Net</a:t>
-            </a:r>
-            <a:r>
-              <a:rPr lang="en-US" dirty="0"/>
-              <a:t> Core</a:t>
-            </a:r>
-          </a:p>
-        </p:txBody>
-      </p:sp>
-      <p:sp>
-        <p:nvSpPr>
-          <p:cNvPr id="3" name="Subtitle 2">
-            <a:extLst>
-              <a:ext uri="{FF2B5EF4-FFF2-40B4-BE49-F238E27FC236}">
-                <a16:creationId xmlns:a16="http://schemas.microsoft.com/office/drawing/2014/main" id="{39E618CF-C0AA-46A9-9DE4-2965CE95D238}"/>
-              </a:ext>
-            </a:extLst>
-          </p:cNvPr>
-          <p:cNvSpPr>
-            <a:spLocks noGrp="1"/>
-          </p:cNvSpPr>
-          <p:nvPr>
-            <p:ph type="subTitle" idx="1"/>
-          </p:nvPr>
-        </p:nvSpPr>
-        <p:spPr/>
-        <p:txBody>
-          <a:bodyPr/>
-          <a:lstStyle/>
-          <a:p>
-            <a:endParaRPr lang="en-US"/>
-          </a:p>
-        </p:txBody>
-      </p:sp>
-    </p:spTree>
-    <p:extLst>
-      <p:ext uri="{BB962C8B-B14F-4D97-AF65-F5344CB8AC3E}">
-        <p14:creationId xmlns:p14="http://schemas.microsoft.com/office/powerpoint/2010/main" val="2292797462"/>
-      </p:ext>
-    </p:extLst>
-  </p:cSld>
-  <p:clrMapOvr>
-    <a:masterClrMapping/>
-  </p:clrMapOvr>
-</p:sld>
-</file>
-
-<file path=ppt/slides/slide4.xml><?xml version="1.0" encoding="utf-8"?>
-<p:sld xmlns:a="http://schemas.openxmlformats.org/drawingml/2006/main" xmlns:r="http://schemas.openxmlformats.org/officeDocument/2006/relationships" xmlns:p="http://schemas.openxmlformats.org/presentationml/2006/main">
-  <p:cSld>
-    <p:spTree>
-      <p:nvGrpSpPr>
-        <p:cNvPr id="1" name=""/>
-        <p:cNvGrpSpPr/>
-        <p:nvPr/>
-      </p:nvGrpSpPr>
-      <p:grpSpPr>
-        <a:xfrm>
-          <a:off x="0" y="0"/>
-          <a:ext cx="0" cy="0"/>
-          <a:chOff x="0" y="0"/>
-          <a:chExt cx="0" cy="0"/>
-        </a:xfrm>
-      </p:grpSpPr>
-      <p:sp>
-        <p:nvSpPr>
-          <p:cNvPr id="2" name="Title 1">
-            <a:extLst>
-              <a:ext uri="{FF2B5EF4-FFF2-40B4-BE49-F238E27FC236}">
                 <a16:creationId xmlns:a16="http://schemas.microsoft.com/office/drawing/2014/main" id="{E012A4E6-3E8D-40AA-A6BA-44D06787B5EE}"/>
               </a:ext>
             </a:extLst>
@@ -3774,177 +3693,177 @@
         </p:nvSpPr>
         <p:spPr>
           <a:xfrm>
-            <a:off x="3122237" y="1633326"/>
+            <a:off x="4125732" y="920563"/>
             <a:ext cx="10515600" cy="4806718"/>
           </a:xfrm>
         </p:spPr>
         <p:txBody>
           <a:bodyPr>
-            <a:normAutofit fontScale="25000" lnSpcReduction="20000"/>
+            <a:noAutofit/>
           </a:bodyPr>
           <a:lstStyle/>
           <a:p>
             <a:r>
-              <a:rPr lang="en-US" sz="4400" dirty="0">
+              <a:rPr lang="en-US" sz="1200" dirty="0">
                 <a:hlinkClick r:id="rId2" tooltip="http://ASP.NET"/>
               </a:rPr>
               <a:t>ASP.NET</a:t>
             </a:r>
             <a:r>
-              <a:rPr lang="en-US" sz="4400" dirty="0"/>
+              <a:rPr lang="en-US" sz="1200" dirty="0"/>
               <a:t> Core provides the following benefits:</a:t>
             </a:r>
           </a:p>
           <a:p>
             <a:r>
-              <a:rPr lang="en-US" sz="4400" dirty="0"/>
+              <a:rPr lang="en-US" sz="1200" dirty="0"/>
               <a:t>A unified story for building web UI and web APIs.</a:t>
             </a:r>
           </a:p>
           <a:p>
             <a:r>
-              <a:rPr lang="en-US" sz="4400" dirty="0"/>
+              <a:rPr lang="en-US" sz="1200" dirty="0"/>
               <a:t>Architected for testability.</a:t>
             </a:r>
           </a:p>
           <a:p>
             <a:r>
-              <a:rPr lang="en-US" sz="4400" dirty="0"/>
+              <a:rPr lang="en-US" sz="1200" dirty="0"/>
               <a:t>Razor Pages makes coding page-focused scenarios easier and more productive.</a:t>
             </a:r>
           </a:p>
           <a:p>
             <a:r>
-              <a:rPr lang="en-US" sz="4400" dirty="0" err="1"/>
+              <a:rPr lang="en-US" sz="1200" dirty="0" err="1"/>
               <a:t>Blazor</a:t>
             </a:r>
             <a:r>
-              <a:rPr lang="en-US" sz="4400" dirty="0"/>
+              <a:rPr lang="en-US" sz="1200" dirty="0"/>
               <a:t> lets you use C# in the browser alongside JavaScript. Share server-side and client-side app logic all written with .NET.</a:t>
             </a:r>
           </a:p>
           <a:p>
             <a:r>
-              <a:rPr lang="en-US" sz="4400" dirty="0"/>
+              <a:rPr lang="en-US" sz="1200" dirty="0"/>
               <a:t>Ability to develop and run on Windows, macOS, and Linux.</a:t>
             </a:r>
           </a:p>
           <a:p>
             <a:r>
-              <a:rPr lang="en-US" sz="4400" dirty="0"/>
+              <a:rPr lang="en-US" sz="1200" dirty="0"/>
               <a:t>Open-source and community-focused.</a:t>
             </a:r>
           </a:p>
           <a:p>
             <a:r>
-              <a:rPr lang="en-US" sz="4400" dirty="0"/>
+              <a:rPr lang="en-US" sz="1200" dirty="0"/>
               <a:t>Integration of modern, client-side frameworks and development workflows.</a:t>
             </a:r>
           </a:p>
           <a:p>
             <a:r>
-              <a:rPr lang="en-US" sz="4400" dirty="0"/>
+              <a:rPr lang="en-US" sz="1200" dirty="0"/>
               <a:t>Support for hosting Remote Procedure Call (RPC) services using </a:t>
             </a:r>
             <a:r>
-              <a:rPr lang="en-US" sz="4400" dirty="0" err="1"/>
+              <a:rPr lang="en-US" sz="1200" dirty="0" err="1"/>
               <a:t>gRPC</a:t>
             </a:r>
             <a:r>
-              <a:rPr lang="en-US" sz="4400" dirty="0"/>
+              <a:rPr lang="en-US" sz="1200" dirty="0"/>
               <a:t>.</a:t>
             </a:r>
           </a:p>
           <a:p>
             <a:r>
-              <a:rPr lang="en-US" sz="4400" dirty="0"/>
+              <a:rPr lang="en-US" sz="1200" dirty="0"/>
               <a:t>A cloud-ready, environment-based configuration system.</a:t>
             </a:r>
           </a:p>
           <a:p>
             <a:r>
-              <a:rPr lang="en-US" sz="4400" dirty="0"/>
+              <a:rPr lang="en-US" sz="1200" dirty="0"/>
               <a:t>Built-in dependency injection.</a:t>
             </a:r>
           </a:p>
           <a:p>
             <a:r>
-              <a:rPr lang="en-US" sz="4400" dirty="0"/>
+              <a:rPr lang="en-US" sz="1200" dirty="0"/>
               <a:t>A lightweight, high-performance, and modular HTTP request pipeline.</a:t>
             </a:r>
           </a:p>
           <a:p>
             <a:r>
-              <a:rPr lang="en-US" sz="4400" dirty="0"/>
+              <a:rPr lang="en-US" sz="1200" dirty="0"/>
               <a:t>Ability to </a:t>
             </a:r>
             <a:r>
-              <a:rPr lang="en-US" sz="4400" dirty="0">
+              <a:rPr lang="en-US" sz="1200" dirty="0">
                 <a:hlinkClick r:id="rId3" tooltip="https://docs.microsoft.com/en-us/aspnet/core/fundamentals/servers/?view=aspnetcore-3.0&amp;tabs=windows"/>
               </a:rPr>
               <a:t>host</a:t>
             </a:r>
             <a:r>
-              <a:rPr lang="en-US" sz="4400" dirty="0"/>
+              <a:rPr lang="en-US" sz="1200" dirty="0"/>
               <a:t> on the following:</a:t>
             </a:r>
           </a:p>
           <a:p>
             <a:pPr lvl="1"/>
             <a:r>
-              <a:rPr lang="en-US" sz="4000" dirty="0"/>
+              <a:rPr lang="en-US" sz="1200" dirty="0"/>
               <a:t>Kestrel</a:t>
             </a:r>
           </a:p>
           <a:p>
             <a:pPr lvl="1"/>
             <a:r>
-              <a:rPr lang="en-US" sz="4000" dirty="0"/>
+              <a:rPr lang="en-US" sz="1200" dirty="0"/>
               <a:t>IIS	``</a:t>
             </a:r>
           </a:p>
           <a:p>
             <a:pPr lvl="1"/>
             <a:r>
-              <a:rPr lang="en-US" sz="4000" dirty="0"/>
+              <a:rPr lang="en-US" sz="1200" dirty="0"/>
               <a:t>HTTP.sys</a:t>
             </a:r>
           </a:p>
           <a:p>
             <a:pPr lvl="1"/>
             <a:r>
-              <a:rPr lang="en-US" sz="4000" dirty="0"/>
+              <a:rPr lang="en-US" sz="1200" dirty="0"/>
               <a:t>Nginx</a:t>
             </a:r>
           </a:p>
           <a:p>
             <a:pPr lvl="1"/>
             <a:r>
-              <a:rPr lang="en-US" sz="4000" dirty="0"/>
+              <a:rPr lang="en-US" sz="1200" dirty="0"/>
               <a:t>Apache</a:t>
             </a:r>
           </a:p>
           <a:p>
             <a:pPr lvl="1"/>
             <a:r>
-              <a:rPr lang="en-US" sz="4000" dirty="0"/>
+              <a:rPr lang="en-US" sz="1200" dirty="0"/>
               <a:t>Docker</a:t>
             </a:r>
           </a:p>
           <a:p>
             <a:r>
-              <a:rPr lang="en-US" sz="4400" dirty="0"/>
+              <a:rPr lang="en-US" sz="1200" dirty="0"/>
               <a:t>Side-by-side versioning.</a:t>
             </a:r>
           </a:p>
           <a:p>
             <a:r>
-              <a:rPr lang="en-US" sz="4400" dirty="0"/>
+              <a:rPr lang="en-US" sz="1200" dirty="0"/>
               <a:t>Tooling that simplifies modern web development.</a:t>
             </a:r>
           </a:p>
           <a:p>
-            <a:endParaRPr lang="en-US" dirty="0"/>
+            <a:endParaRPr lang="en-US" sz="1200" dirty="0"/>
           </a:p>
         </p:txBody>
       </p:sp>
@@ -3961,7 +3880,7 @@
 </p:sld>
 </file>
 
-<file path=ppt/slides/slide5.xml><?xml version="1.0" encoding="utf-8"?>
+<file path=ppt/slides/slide4.xml><?xml version="1.0" encoding="utf-8"?>
 <p:sld xmlns:a="http://schemas.openxmlformats.org/drawingml/2006/main" xmlns:r="http://schemas.openxmlformats.org/officeDocument/2006/relationships" xmlns:p="http://schemas.openxmlformats.org/presentationml/2006/main">
   <p:cSld>
     <p:spTree>

--- a/Session_1_Md/slides/DotNetCoreFundmentals.pptx
+++ b/Session_1_Md/slides/DotNetCoreFundmentals.pptx
@@ -262,7 +262,7 @@
           <a:p>
             <a:fld id="{AB5CE056-A561-47C2-ABE9-1470ED907ED1}" type="datetimeFigureOut">
               <a:rPr lang="en-US" smtClean="0"/>
-              <a:t>1/15/2020</a:t>
+              <a:t>1/16/2020</a:t>
             </a:fld>
             <a:endParaRPr lang="en-US"/>
           </a:p>
@@ -460,7 +460,7 @@
           <a:p>
             <a:fld id="{AB5CE056-A561-47C2-ABE9-1470ED907ED1}" type="datetimeFigureOut">
               <a:rPr lang="en-US" smtClean="0"/>
-              <a:t>1/15/2020</a:t>
+              <a:t>1/16/2020</a:t>
             </a:fld>
             <a:endParaRPr lang="en-US"/>
           </a:p>
@@ -668,7 +668,7 @@
           <a:p>
             <a:fld id="{AB5CE056-A561-47C2-ABE9-1470ED907ED1}" type="datetimeFigureOut">
               <a:rPr lang="en-US" smtClean="0"/>
-              <a:t>1/15/2020</a:t>
+              <a:t>1/16/2020</a:t>
             </a:fld>
             <a:endParaRPr lang="en-US"/>
           </a:p>
@@ -866,7 +866,7 @@
           <a:p>
             <a:fld id="{AB5CE056-A561-47C2-ABE9-1470ED907ED1}" type="datetimeFigureOut">
               <a:rPr lang="en-US" smtClean="0"/>
-              <a:t>1/15/2020</a:t>
+              <a:t>1/16/2020</a:t>
             </a:fld>
             <a:endParaRPr lang="en-US"/>
           </a:p>
@@ -1141,7 +1141,7 @@
           <a:p>
             <a:fld id="{AB5CE056-A561-47C2-ABE9-1470ED907ED1}" type="datetimeFigureOut">
               <a:rPr lang="en-US" smtClean="0"/>
-              <a:t>1/15/2020</a:t>
+              <a:t>1/16/2020</a:t>
             </a:fld>
             <a:endParaRPr lang="en-US"/>
           </a:p>
@@ -1406,7 +1406,7 @@
           <a:p>
             <a:fld id="{AB5CE056-A561-47C2-ABE9-1470ED907ED1}" type="datetimeFigureOut">
               <a:rPr lang="en-US" smtClean="0"/>
-              <a:t>1/15/2020</a:t>
+              <a:t>1/16/2020</a:t>
             </a:fld>
             <a:endParaRPr lang="en-US"/>
           </a:p>
@@ -1818,7 +1818,7 @@
           <a:p>
             <a:fld id="{AB5CE056-A561-47C2-ABE9-1470ED907ED1}" type="datetimeFigureOut">
               <a:rPr lang="en-US" smtClean="0"/>
-              <a:t>1/15/2020</a:t>
+              <a:t>1/16/2020</a:t>
             </a:fld>
             <a:endParaRPr lang="en-US"/>
           </a:p>
@@ -1959,7 +1959,7 @@
           <a:p>
             <a:fld id="{AB5CE056-A561-47C2-ABE9-1470ED907ED1}" type="datetimeFigureOut">
               <a:rPr lang="en-US" smtClean="0"/>
-              <a:t>1/15/2020</a:t>
+              <a:t>1/16/2020</a:t>
             </a:fld>
             <a:endParaRPr lang="en-US"/>
           </a:p>
@@ -2072,7 +2072,7 @@
           <a:p>
             <a:fld id="{AB5CE056-A561-47C2-ABE9-1470ED907ED1}" type="datetimeFigureOut">
               <a:rPr lang="en-US" smtClean="0"/>
-              <a:t>1/15/2020</a:t>
+              <a:t>1/16/2020</a:t>
             </a:fld>
             <a:endParaRPr lang="en-US"/>
           </a:p>
@@ -2383,7 +2383,7 @@
           <a:p>
             <a:fld id="{AB5CE056-A561-47C2-ABE9-1470ED907ED1}" type="datetimeFigureOut">
               <a:rPr lang="en-US" smtClean="0"/>
-              <a:t>1/15/2020</a:t>
+              <a:t>1/16/2020</a:t>
             </a:fld>
             <a:endParaRPr lang="en-US"/>
           </a:p>
@@ -2671,7 +2671,7 @@
           <a:p>
             <a:fld id="{AB5CE056-A561-47C2-ABE9-1470ED907ED1}" type="datetimeFigureOut">
               <a:rPr lang="en-US" smtClean="0"/>
-              <a:t>1/15/2020</a:t>
+              <a:t>1/16/2020</a:t>
             </a:fld>
             <a:endParaRPr lang="en-US"/>
           </a:p>
@@ -2912,7 +2912,7 @@
           <a:p>
             <a:fld id="{AB5CE056-A561-47C2-ABE9-1470ED907ED1}" type="datetimeFigureOut">
               <a:rPr lang="en-US" smtClean="0"/>
-              <a:t>1/15/2020</a:t>
+              <a:t>1/16/2020</a:t>
             </a:fld>
             <a:endParaRPr lang="en-US"/>
           </a:p>
@@ -3463,7 +3463,7 @@
         <p:spPr/>
         <p:txBody>
           <a:bodyPr>
-            <a:normAutofit fontScale="92500" lnSpcReduction="10000"/>
+            <a:normAutofit fontScale="70000" lnSpcReduction="20000"/>
           </a:bodyPr>
           <a:lstStyle/>
           <a:p>
@@ -3534,13 +3534,6 @@
           <a:p>
             <a:pPr lvl="1"/>
             <a:r>
-              <a:rPr lang="en-US" dirty="0"/>
-              <a:t>Configure Key Vault </a:t>
-            </a:r>
-          </a:p>
-          <a:p>
-            <a:pPr lvl="1"/>
-            <a:r>
               <a:rPr lang="en-US" dirty="0" err="1"/>
               <a:t>Serilog</a:t>
             </a:r>
@@ -3569,7 +3562,51 @@
             <a:pPr lvl="1"/>
             <a:r>
               <a:rPr lang="en-US" dirty="0"/>
-              <a:t>Identity Server </a:t>
+              <a:t>Postman Testing</a:t>
+            </a:r>
+          </a:p>
+          <a:p>
+            <a:pPr lvl="1"/>
+            <a:r>
+              <a:rPr lang="en-US" dirty="0"/>
+              <a:t>Configure Key Vault</a:t>
+            </a:r>
+          </a:p>
+          <a:p>
+            <a:pPr lvl="1"/>
+            <a:r>
+              <a:rPr lang="en-US" dirty="0"/>
+              <a:t>Identity Server</a:t>
+            </a:r>
+          </a:p>
+          <a:p>
+            <a:pPr lvl="1"/>
+            <a:r>
+              <a:rPr lang="en-US" dirty="0"/>
+              <a:t>Add Unit Testing </a:t>
+            </a:r>
+          </a:p>
+          <a:p>
+            <a:pPr lvl="1"/>
+            <a:r>
+              <a:rPr lang="en-US" dirty="0"/>
+              <a:t>Migration from </a:t>
+            </a:r>
+            <a:r>
+              <a:rPr lang="en-US" dirty="0" err="1"/>
+              <a:t>.Net</a:t>
+            </a:r>
+            <a:r>
+              <a:rPr lang="en-US" dirty="0"/>
+              <a:t> Core 2.2 to </a:t>
+            </a:r>
+            <a:r>
+              <a:rPr lang="en-US" dirty="0" err="1"/>
+              <a:t>.Net</a:t>
+            </a:r>
+            <a:r>
+              <a:rPr lang="en-US" dirty="0"/>
+              <a:t> Core 3.1</a:t>
             </a:r>
           </a:p>
           <a:p>
@@ -3578,30 +3615,70 @@
               <a:rPr lang="en-US" dirty="0" err="1"/>
               <a:t>Linq</a:t>
             </a:r>
+            <a:r>
+              <a:rPr lang="en-US" dirty="0"/>
+              <a:t> </a:t>
+            </a:r>
+          </a:p>
+          <a:p>
+            <a:pPr lvl="1"/>
             <a:endParaRPr lang="en-US" dirty="0"/>
           </a:p>
           <a:p>
             <a:pPr lvl="1"/>
             <a:r>
               <a:rPr lang="en-US" dirty="0"/>
-              <a:t>Migration from </a:t>
+              <a:t> $cert = New-</a:t>
             </a:r>
             <a:r>
               <a:rPr lang="en-US" dirty="0" err="1"/>
-              <a:t>.Net</a:t>
+              <a:t>SelfSignedCertificate</a:t>
             </a:r>
             <a:r>
               <a:rPr lang="en-US" dirty="0"/>
-              <a:t> Core 2.2 to </a:t>
+              <a:t> -</a:t>
             </a:r>
             <a:r>
               <a:rPr lang="en-US" dirty="0" err="1"/>
-              <a:t>.Net</a:t>
+              <a:t>CertStoreLocation</a:t>
             </a:r>
             <a:r>
               <a:rPr lang="en-US" dirty="0"/>
-              <a:t> Core 3.1 </a:t>
-            </a:r>
+              <a:t> "Cert:\</a:t>
+            </a:r>
+            <a:r>
+              <a:rPr lang="en-US" dirty="0" err="1"/>
+              <a:t>CurrentUser</a:t>
+            </a:r>
+            <a:r>
+              <a:rPr lang="en-US" dirty="0"/>
+              <a:t>\My" -Subject "CN=</a:t>
+            </a:r>
+            <a:r>
+              <a:rPr lang="en-US" dirty="0" err="1"/>
+              <a:t>ResApiCert</a:t>
+            </a:r>
+            <a:r>
+              <a:rPr lang="en-US" dirty="0"/>
+              <a:t>" -</a:t>
+            </a:r>
+            <a:r>
+              <a:rPr lang="en-US" dirty="0" err="1"/>
+              <a:t>KeySpec</a:t>
+            </a:r>
+            <a:r>
+              <a:rPr lang="en-US" dirty="0"/>
+              <a:t> </a:t>
+            </a:r>
+            <a:r>
+              <a:rPr lang="en-US" dirty="0" err="1"/>
+              <a:t>KeyExchange</a:t>
+            </a:r>
+            <a:endParaRPr lang="en-US" dirty="0"/>
+          </a:p>
+          <a:p>
+            <a:pPr lvl="1"/>
+            <a:endParaRPr lang="en-US" dirty="0"/>
           </a:p>
           <a:p>
             <a:pPr marL="0" indent="0">
